--- a/OtherDocs/UF_BaseData.pptx
+++ b/OtherDocs/UF_BaseData.pptx
@@ -5,7 +5,7 @@
     <p:sldMasterId id="2147483648" r:id="rId1"/>
   </p:sldMasterIdLst>
   <p:notesMasterIdLst>
-    <p:notesMasterId r:id="rId29"/>
+    <p:notesMasterId r:id="rId30"/>
   </p:notesMasterIdLst>
   <p:sldIdLst>
     <p:sldId id="256" r:id="rId2"/>
@@ -35,6 +35,7 @@
     <p:sldId id="278" r:id="rId26"/>
     <p:sldId id="280" r:id="rId27"/>
     <p:sldId id="279" r:id="rId28"/>
+    <p:sldId id="284" r:id="rId29"/>
   </p:sldIdLst>
   <p:sldSz cx="9144000" cy="6858000" type="screen4x3"/>
   <p:notesSz cx="6858000" cy="9144000"/>
@@ -133,6 +134,22 @@
       </a:defRPr>
     </a:lvl9pPr>
   </p:defaultTextStyle>
+  <p:extLst>
+    <p:ext uri="{EFAFB233-063F-42B5-8137-9DF3F51BA10A}">
+      <p15:sldGuideLst xmlns:p15="http://schemas.microsoft.com/office/powerpoint/2012/main">
+        <p15:guide id="1" orient="horz" pos="2160">
+          <p15:clr>
+            <a:srgbClr val="A4A3A4"/>
+          </p15:clr>
+        </p15:guide>
+        <p15:guide id="2" pos="2880">
+          <p15:clr>
+            <a:srgbClr val="A4A3A4"/>
+          </p15:clr>
+        </p15:guide>
+      </p15:sldGuideLst>
+    </p:ext>
+  </p:extLst>
 </p:presentation>
 </file>
 
@@ -218,7 +235,7 @@
           <a:p>
             <a:fld id="{691D4EA7-E91D-48D5-AAF6-3E83CDF8F1B7}" type="datetimeFigureOut">
               <a:rPr lang="en-US" smtClean="0"/>
-              <a:t>11/6/2014</a:t>
+              <a:t>3/16/2015</a:t>
             </a:fld>
             <a:endParaRPr lang="en-US"/>
           </a:p>
@@ -784,7 +801,6 @@
               <a:rPr lang="en-US" baseline="0" dirty="0" smtClean="0"/>
               <a:t>Dataset 1 says that there are 95 employees.  Dataset 2 which has a lower reliability (Like ACS data) says that there are  50 retail, 30 service, and 20 industrial employees in that area. We calculate the proportions of employees by type from dataset 2. 50% of the employees are residential 30% service, and 20% industrial. These percentages are then multiplied by the total number of employees in dataset 1 to get the number of employees in each type (47.5 ret, 28.5 service, and 19 industrial).</a:t>
             </a:r>
-            <a:endParaRPr lang="en-US" baseline="0" dirty="0" smtClean="0"/>
           </a:p>
           <a:p>
             <a:endParaRPr lang="en-US" dirty="0"/>
@@ -997,15 +1013,7 @@
             </a:r>
             <a:r>
               <a:rPr lang="en-US" baseline="0" dirty="0" smtClean="0"/>
-              <a:t>, other, and </a:t>
-            </a:r>
-            <a:r>
-              <a:rPr lang="en-US" baseline="0" dirty="0" smtClean="0"/>
-              <a:t>accommodations </a:t>
-            </a:r>
-            <a:r>
-              <a:rPr lang="en-US" baseline="0" dirty="0" smtClean="0"/>
-              <a:t>are totals from LEHD’s block data. </a:t>
+              <a:t>, other, and accommodations are totals from LEHD’s block data. </a:t>
             </a:r>
           </a:p>
           <a:p>
@@ -1025,7 +1033,6 @@
               <a:rPr lang="en-US" baseline="0" dirty="0" smtClean="0"/>
               <a:t>These are then joined spatially to the parcels and applied to the proper employment totals in each parcel. </a:t>
             </a:r>
-            <a:endParaRPr lang="en-US" baseline="0" dirty="0" smtClean="0"/>
           </a:p>
           <a:p>
             <a:pPr marL="228600" indent="-228600">
@@ -1459,7 +1466,7 @@
             <a:fld id="{1D8BD707-D9CF-40AE-B4C6-C98DA3205C09}" type="datetimeFigureOut">
               <a:rPr lang="en-US" smtClean="0"/>
               <a:pPr/>
-              <a:t>11/6/2014</a:t>
+              <a:t>3/16/2015</a:t>
             </a:fld>
             <a:endParaRPr lang="en-US"/>
           </a:p>
@@ -1626,7 +1633,7 @@
             <a:fld id="{1D8BD707-D9CF-40AE-B4C6-C98DA3205C09}" type="datetimeFigureOut">
               <a:rPr lang="en-US" smtClean="0"/>
               <a:pPr/>
-              <a:t>11/6/2014</a:t>
+              <a:t>3/16/2015</a:t>
             </a:fld>
             <a:endParaRPr lang="en-US"/>
           </a:p>
@@ -1803,7 +1810,7 @@
             <a:fld id="{1D8BD707-D9CF-40AE-B4C6-C98DA3205C09}" type="datetimeFigureOut">
               <a:rPr lang="en-US" smtClean="0"/>
               <a:pPr/>
-              <a:t>11/6/2014</a:t>
+              <a:t>3/16/2015</a:t>
             </a:fld>
             <a:endParaRPr lang="en-US"/>
           </a:p>
@@ -1970,7 +1977,7 @@
             <a:fld id="{1D8BD707-D9CF-40AE-B4C6-C98DA3205C09}" type="datetimeFigureOut">
               <a:rPr lang="en-US" smtClean="0"/>
               <a:pPr/>
-              <a:t>11/6/2014</a:t>
+              <a:t>3/16/2015</a:t>
             </a:fld>
             <a:endParaRPr lang="en-US"/>
           </a:p>
@@ -2213,7 +2220,7 @@
             <a:fld id="{1D8BD707-D9CF-40AE-B4C6-C98DA3205C09}" type="datetimeFigureOut">
               <a:rPr lang="en-US" smtClean="0"/>
               <a:pPr/>
-              <a:t>11/6/2014</a:t>
+              <a:t>3/16/2015</a:t>
             </a:fld>
             <a:endParaRPr lang="en-US"/>
           </a:p>
@@ -2498,7 +2505,7 @@
             <a:fld id="{1D8BD707-D9CF-40AE-B4C6-C98DA3205C09}" type="datetimeFigureOut">
               <a:rPr lang="en-US" smtClean="0"/>
               <a:pPr/>
-              <a:t>11/6/2014</a:t>
+              <a:t>3/16/2015</a:t>
             </a:fld>
             <a:endParaRPr lang="en-US"/>
           </a:p>
@@ -2917,7 +2924,7 @@
             <a:fld id="{1D8BD707-D9CF-40AE-B4C6-C98DA3205C09}" type="datetimeFigureOut">
               <a:rPr lang="en-US" smtClean="0"/>
               <a:pPr/>
-              <a:t>11/6/2014</a:t>
+              <a:t>3/16/2015</a:t>
             </a:fld>
             <a:endParaRPr lang="en-US"/>
           </a:p>
@@ -3032,7 +3039,7 @@
             <a:fld id="{1D8BD707-D9CF-40AE-B4C6-C98DA3205C09}" type="datetimeFigureOut">
               <a:rPr lang="en-US" smtClean="0"/>
               <a:pPr/>
-              <a:t>11/6/2014</a:t>
+              <a:t>3/16/2015</a:t>
             </a:fld>
             <a:endParaRPr lang="en-US"/>
           </a:p>
@@ -3124,7 +3131,7 @@
             <a:fld id="{1D8BD707-D9CF-40AE-B4C6-C98DA3205C09}" type="datetimeFigureOut">
               <a:rPr lang="en-US" smtClean="0"/>
               <a:pPr/>
-              <a:t>11/6/2014</a:t>
+              <a:t>3/16/2015</a:t>
             </a:fld>
             <a:endParaRPr lang="en-US"/>
           </a:p>
@@ -3398,7 +3405,7 @@
             <a:fld id="{1D8BD707-D9CF-40AE-B4C6-C98DA3205C09}" type="datetimeFigureOut">
               <a:rPr lang="en-US" smtClean="0"/>
               <a:pPr/>
-              <a:t>11/6/2014</a:t>
+              <a:t>3/16/2015</a:t>
             </a:fld>
             <a:endParaRPr lang="en-US"/>
           </a:p>
@@ -3648,7 +3655,7 @@
             <a:fld id="{1D8BD707-D9CF-40AE-B4C6-C98DA3205C09}" type="datetimeFigureOut">
               <a:rPr lang="en-US" smtClean="0"/>
               <a:pPr/>
-              <a:t>11/6/2014</a:t>
+              <a:t>3/16/2015</a:t>
             </a:fld>
             <a:endParaRPr lang="en-US"/>
           </a:p>
@@ -3858,7 +3865,7 @@
             <a:fld id="{1D8BD707-D9CF-40AE-B4C6-C98DA3205C09}" type="datetimeFigureOut">
               <a:rPr lang="en-US" smtClean="0"/>
               <a:pPr/>
-              <a:t>11/6/2014</a:t>
+              <a:t>3/16/2015</a:t>
             </a:fld>
             <a:endParaRPr lang="en-US"/>
           </a:p>
@@ -4284,7 +4291,7 @@
         <p:spPr>
           <a:xfrm>
             <a:off x="76200" y="5181600"/>
-            <a:ext cx="8839200" cy="1200329"/>
+            <a:ext cx="8839200" cy="1477328"/>
           </a:xfrm>
           <a:prstGeom prst="rect">
             <a:avLst/>
@@ -4298,28 +4305,28 @@
           <a:lstStyle/>
           <a:p>
             <a:r>
-              <a:rPr lang="en-US" dirty="0" smtClean="0"/>
-              <a:t>Materials prepared with funding support from the California Governor’s Office of Planning and Research, and the California Strategic Growth Council</a:t>
-            </a:r>
-          </a:p>
-          <a:p>
-            <a:r>
-              <a:rPr lang="en-US" dirty="0" smtClean="0"/>
-              <a:t>This Material is Licensed as: </a:t>
-            </a:r>
-          </a:p>
-          <a:p>
-            <a:r>
-              <a:rPr lang="en-US" dirty="0" smtClean="0"/>
-              <a:t>UrbanFootprint has been developed by and is copyrighted by </a:t>
-            </a:r>
-            <a:r>
-              <a:rPr lang="en-US" dirty="0" err="1" smtClean="0"/>
-              <a:t>Calthorpe</a:t>
-            </a:r>
-            <a:r>
-              <a:rPr lang="en-US" dirty="0" smtClean="0"/>
-              <a:t> Associates</a:t>
+              <a:rPr lang="en-US" dirty="0"/>
+              <a:t>Materials prepared with funding support from the California Governor’s Office of Planning and Research, and the California Strategic Growth Council, and are copyright 2015 by the California Strategic Growth Council</a:t>
+            </a:r>
+          </a:p>
+          <a:p>
+            <a:r>
+              <a:rPr lang="en-US" dirty="0"/>
+              <a:t>This Material is Licensed as:  Creative Commons Attribution-</a:t>
+            </a:r>
+            <a:r>
+              <a:rPr lang="en-US" dirty="0" err="1"/>
+              <a:t>ShareAlike</a:t>
+            </a:r>
+            <a:r>
+              <a:rPr lang="en-US" dirty="0"/>
+              <a:t> 4.0.</a:t>
+            </a:r>
+          </a:p>
+          <a:p>
+            <a:r>
+              <a:rPr lang="en-US" dirty="0"/>
+              <a:t>UrbanFootprint has been developed by and is copyrighted by Calthorpe Analytics</a:t>
             </a:r>
             <a:endParaRPr lang="en-US" dirty="0"/>
           </a:p>
@@ -11258,11 +11265,7 @@
           <a:p>
             <a:r>
               <a:rPr lang="en-US" dirty="0" smtClean="0"/>
-              <a:t>Calculate </a:t>
-            </a:r>
-            <a:r>
-              <a:rPr lang="en-US" dirty="0" smtClean="0"/>
-              <a:t>the proportion of each SACOG category that goes into each UF Employment Category.</a:t>
+              <a:t>Calculate the proportion of each SACOG category that goes into each UF Employment Category.</a:t>
             </a:r>
           </a:p>
           <a:p>
@@ -11989,6 +11992,155 @@
 </p:sld>
 </file>
 
+<file path=ppt/slides/slide28.xml><?xml version="1.0" encoding="utf-8"?>
+<p:sld xmlns:a="http://schemas.openxmlformats.org/drawingml/2006/main" xmlns:r="http://schemas.openxmlformats.org/officeDocument/2006/relationships" xmlns:p="http://schemas.openxmlformats.org/presentationml/2006/main">
+  <p:cSld>
+    <p:spTree>
+      <p:nvGrpSpPr>
+        <p:cNvPr id="1" name=""/>
+        <p:cNvGrpSpPr/>
+        <p:nvPr/>
+      </p:nvGrpSpPr>
+      <p:grpSpPr>
+        <a:xfrm>
+          <a:off x="0" y="0"/>
+          <a:ext cx="0" cy="0"/>
+          <a:chOff x="0" y="0"/>
+          <a:chExt cx="0" cy="0"/>
+        </a:xfrm>
+      </p:grpSpPr>
+      <p:sp>
+        <p:nvSpPr>
+          <p:cNvPr id="4" name="Title 3"/>
+          <p:cNvSpPr>
+            <a:spLocks noGrp="1"/>
+          </p:cNvSpPr>
+          <p:nvPr>
+            <p:ph type="ctrTitle"/>
+          </p:nvPr>
+        </p:nvSpPr>
+        <p:spPr/>
+        <p:txBody>
+          <a:bodyPr/>
+          <a:lstStyle/>
+          <a:p>
+            <a:r>
+              <a:rPr lang="en-US" dirty="0" smtClean="0"/>
+              <a:t>For more information:</a:t>
+            </a:r>
+            <a:endParaRPr lang="en-US" dirty="0"/>
+          </a:p>
+        </p:txBody>
+      </p:sp>
+      <p:sp>
+        <p:nvSpPr>
+          <p:cNvPr id="5" name="Subtitle 4"/>
+          <p:cNvSpPr>
+            <a:spLocks noGrp="1"/>
+          </p:cNvSpPr>
+          <p:nvPr>
+            <p:ph type="subTitle" idx="1"/>
+          </p:nvPr>
+        </p:nvSpPr>
+        <p:spPr>
+          <a:xfrm>
+            <a:off x="0" y="3886200"/>
+            <a:ext cx="9144000" cy="1752600"/>
+          </a:xfrm>
+        </p:spPr>
+        <p:txBody>
+          <a:bodyPr/>
+          <a:lstStyle/>
+          <a:p>
+            <a:r>
+              <a:rPr lang="en-US" dirty="0"/>
+              <a:t>http://urbanfootprintcurriculum.readthedocs.org/en/latest/datapreparation.html</a:t>
+            </a:r>
+          </a:p>
+        </p:txBody>
+      </p:sp>
+      <p:sp>
+        <p:nvSpPr>
+          <p:cNvPr id="2" name="AutoShape 2" descr="data:image/png;base64,iVBORw0KGgoAAAANSUhEUgAAAMgAAADICAYAAACtWK6eAAAOSklEQVR4Xu2d4ZqjuA5E0+//0H2/7Z3cgW2Cj13CkHDmL7Illaokm04yX9/f398P/4mACGwi8KVAZIYIvEZAgcgOEdhBQIFIDxFQIHJABMYQcIKM4eaqmyCgQG5SaNMcQ0CBjOHmqpsgoEBuUmjTHENAgYzh5qqbIKBAblJo0xxDQIGM4eaqmyCgQG5SaNMcQ0CBjOHmqpsgoEBuUmjTHENAgYzh5qqbIKBAblJo0xxDoEQgX19fY94PWEW//5XETH3Q9JJYtnxsxZf4oPkmPihW1I7G3NpPgbQQ2nheBf5z62piKZDHo6pGCkSBNBGgZKsWejOwHQMac8uHAmkh5ATB3ViBvCDTOwKTxFzVnTxiDXQnuKSqRodNkKoA9/DYIvmM8zf1uxU7XUvtqA/IKzwtqN8r8YBisLRTIA3UqOAoESjxqR0lKiUHzYP6TfajMSdYtXwoEAWyQiAh9JFErThJtMSwKfqK38W6OjDV940kX7qW2tFOTsmhQNZIOUGcIE6QHQ5MFcg7dnLaoeldJenkFL/qWLZipj6oXTUuySQ87ZJOC1xdkITkydoZ+SZYUVImPhTI4/Gg5+UZhKGdg8asQLZlRIlP7ahY6X6UBy2/HrEWCFFQqbhmNISku7fIsfc8IeoMXGgtWxgoEAXS4sjmcwXSAduVOupZheuA65dpEnP1ETCJ5eo8GKnRLSbIjMKNgP9ck5BSgfA78EiNFMgCteRsPAK+AulHrbqZtCJQIApkxZGEgDMmdRJfSwyb03jmR02SDp0AM6NwI+A7QfpRS3jQ7+3xuMUEGQHmuYaKq/oukMS8tZa+9rx6vgrkBTNmA6NA/haiWlxnnSRGmo4TpIHa1TsqLXo1yc+amLMbpQJRICsErt4QFIhHLDoUuuycIF1w/d946gQZC/H1KtrtzjrzJn6rL9oUeyqk5IhFY6F2lAd0v6WdAmmglox0BVL3A257ZVIgL9ChwCREVSC879J68B2Z5ZF+nSBOkBUCHrHWhFAgCkSB7HDgMIGw4VhvVX0kcj/+adnkKFvNhGQSTrmkVydM95PQGaGr8aN1q7ZTIC8QrS6w+2WCqyY+3U+BKJAfBK4uYEroajsFokAUyI6qLiWQavXP2C+5UFaB/8wzeY9P11K7LeyTtTNqeaSPkrdYRwZ41N4KhP+VW4EcxcIL76tAFAihpxOEoPQfG49YXFwD8F5qiQIZKIcCUSBdtEmOK9QRfZ151n6J37MuxtV1ozWaYUfr0bIrmSDVQG8FTUFtJfx8Xr1f4leBZH+MrJ7oy3ookAUaZwldgSgQ2mBf2lV3/Or9aIK02814tVrdECimM+xoPVp2ThAnSIsj+PkM4s9oHFOOWEmnpBWhPuh+9KhD70iJX7q2egrQ3Kjf6hrN9nvYBKHA0IRp4SixqB2Nj+ZL/VI7Gh/dj+JM/VbjMtuvAmkwZ3ZBeolM4+vdd2lPj05UXEksNN8qYSoQBdLkqwJpQrRvkFycaEeY0Z28g2zXWYGEAplBLCqkpJhUhNUNIYk5WZvkS9dSblQdiaqpXHLEoiBUg0r3o+JK9qMFpuKiMSuQakms91MgDXwpARUI/wAjbRLHUp/trkAUyAoB2hDotKWnC9pgGK3rrBSIAlEgOxwoEQgdmdQu0T89u9MOmMQ8I5YEq2Rt0vEpptQuyaO1VoEsEKLHC0oOBbJNP0p8atciefJcgSiQIf7QJpHcQRTIix8+G6rYn0UzujYlx4xYEqyStRQDBfK41pddZpCSkmNGLAnJk7UUAwXyQiD0EkyLRMlG7xE0PuqX5pHY0dwoeZMjDF1L8aMxJ/iNrD3sDkIJSINOgJ6xluaR2CmQBL2xtQpk4JI+BnW+SoHkGPbuoEAUyIoz9KjjEatDaskRhrpJfMxYS/NI7JwgCXpjaw+bINWdiKZHO9uM/WgsiR3No7oeSdOpfrNVfd9d7qdAGgyj5K0uOp0WCmQbAdoQWvgpEAWyQoA2BCdIS1qL5xTUpMvScJJYquOjsSR2FBfaUatjubrfFn5OECeIE2SHAyUCaalw7/nVO1aSG51I1Aftxolfevf5lFha2CuQBUJJ0VtAP5/Ts3v1mxnqV4GskVcgCmTFCAWiQH4QoEc7OhmoHe3kTpDs/4Cn9WjZOUGcIE6Qoy/p1V2R7nfWnWGG31Zn633xkew3Y5rNONqNYFAyQSihKdB0vxlEPesoNlLMihcB1G+CPcWU2tGYR+wUSAO1KxSpt7C0wfTuu7RXIB3oJQWho5VOn46wkakC2YZJgSD6/GukQDrAmmCa1IOGp0AoUpNemVYXPZlcHdAcbpoQNQmOTlZaN5oH9Zvktlx72B2EJkwToUDT/RQIRWrbjhKV1o3yhfrNsvu7WoEskKTFrAK/Yh9KrApfq8769fVry6Tp0DwUyItKVpM3KWY12ZL9KLESH1trKVFp3Wge1G9Vvk4QJ8gQlyhRFUjY8WnnGKrin0VXLyYlUYIBxflTsKL5tjAtmSB0BG/ZVSWyl+inFL1VzL3nFOdPwYrm28JUgQwcsSj41WRrFVOB/EWA1qiFqQJRICuOVIuaEvUsvwqk4w+Z9C5wVtFbxXSCvNEEofeShGwzCEN9VHfA5L6WxELrkeBC19JX8dUxL+M77IilQPg34hLCJDhTIdH4aCx0PwXS8T9M0eNPAj5dS4lAC0z90k5JiU/taHwUF7ofxY/iQv06QTqESUGlZEuETomQxEJ9JLjQtQqkg6gJsZLzPC1mQkrqg5I3iYX6oDEndfsYgSQFoUDTwtFYqF96bEjiqxYwJSWNmWKVYH9WzK3cSi7pFBgKQkIYGksLmL3niQ+KQULeGT7esXGM1FyBDKCmQLZBuzouA6V+KJAB1K5OBCfIQFFfLFEgA1gqECdIF22SjkXJRn1U31+6gBg0PuttDcU+uW9U1y2JeaQ8h00QSlSacDXQtOgjoPauUSDbiJ2FyzIaBbJAIxFhryiW9mcRgTYn2kxoHhQrul/yxq8ViwJRICuOULJRcSVNR4Ec8FF0erSjXbHVYSqen0UESnKKFc2DYkb3o6KmfqccsWhyNGgKwjt2LErUJDeKc3WDmVG3JOYWLocdsRRIC/q/zxVI9vO1CmTShxqpqGlXpBJRIArkhyvJEYGSstoHJS8Vw1nn+SS+BPtk7YyYWz48Yi0QcoJs0yUhebK2Rd6959Rvy8dUgbSCeT6fMQWScyudKjSPqmJSfI+yo/lW+z8SPwXSmCAzjkRHFriajHv7KZAX6NCOSouVAE2PSU4QWg1ul9SNe/lteWSDcYI4QRJurtYqECfIDwJ0YlLCHNkBy9gPNqL5gq26TI7E760nCD1OUbvk2EXvKrTy1UWvFnWCVSKkalxa9VAgDYSSglyJCAqkJYXt5wpEgZTdI2gzuVLjaMlGgSgQBbLDAQWiQBTIVQRCR+s7jmqaW2uk7z2nLxsS/KiPJA+6tjoP6ndpN3WCUBIlwFAQqA+6H82N7kffEtHLN33LpkDWSCmQhLGLtQqkCMjFNrSJJU2iFbUCaSEEnysQCFSHmQJ5AVYCDMWf+qD7KRCKFLejNbr8BOEpn2OZADhj7Qxx0TtNcleh1aWYVtvR+Mov6SOOZ66hQFeTg/pVIPy/q6MvEej0afGw5A7ScnL2c0pUBbJdqQS/BFPql9qN8FCBNFBLwKdrnSBOkBHxlq2hRE26XbJWgXy4QM4qML14UoFQu0S5CVbJuTrxeyWcZ9So/JJeDX5CwOQSNwP8BCsFwr+slnBIgbz4IToFwml1ViOaUSMFokC4El5YKpAOCJNjQ4cbZHpW4VBwk35dkr4woDF7B0mQ6vgRg9DNr+XJuP3ktTMa1ln3oaQBjvCv5O8gCdlGgn6uSfx+8loFsv3aeIRrCmSBGu2KVxeXAlEgP7S+OlHpXaBamApEgSiQP+qjZ/KR48XeGipq2iRofDTfJL4pr3lpIjOAoR2Vgkr3q87trLdJ1fnSPBJx0Vq2ajT1DpIATQVH7WYUqQX+83l1zPTomdjR3KgdJTTlEN2vFZ8CKbqkt4DuPa4kREiIn4i1GgMnSAeitHDUzgnCX3JQsXaU85cp7fg0FrpfK2YniBNkxZGkwbTI1jtFnSAdiNLCUbsO18PdjvqgXZHuR+1ol6XxJdjTtTRmikHLzgnSQmjjeXWRKAEHQt1dQvOg8VGS0+MtvUtV47LcT4EMoEuJRbemBKT7UTuaB41PgbxAniqdAl3dYRK/NBZKyuRcnfhI8qD4KRAF8oMA7byU0JSAdD9qR/Og8SmQDxIIJQft+HS/ZNpSH0nM1WJIYk7yoE2iZXfbO0hSOErypMCJj2q/9HhWHXOSR4v49LkCoUgt7BIi0LXUjoZP93OCrBFVIJRhCmSFFL1vJJPaCdJBzqQgtHvScJL96FpqVx2zE+TECUKLSe0oiWjRqd/kTE59JJ23Ol/anCgudDIk+1GcW3ZTj1itYHqfK5BtxBRIL5Ne2yuQIiyTLlvdKRVIUVH/+Vr3dzLL/8RBO3ld2P/uRP1WE4YSOvGblCXxW50bzYPGTPer4poCKULSCbINJCX07QRSxLvubShRaeFoANUFptORxpdcjM+aKjTm6lou/R42QZLCJWsVCEePilqBcEw3LROgQ9e/lisQjmhSN4ozFReNesZkdYKc+IlcehyYQQQF0palR6w2RsiCkk2BZF8XmNE4yicIYpBGIvCGCJRMkDfM25BFACGgQBBMGt0VAQVy18qbN0JAgSCYNLorAgrkrpU3b4SAAkEwaXRXBBTIXStv3ggBBYJg0uiuCCiQu1bevBECCgTBpNFdEVAgd628eSMEFAiCSaO7IqBA7lp580YIKBAEk0Z3RUCB3LXy5o0QUCAIJo3uioACuWvlzRsh8D8fUB3GKvhmkgAAAABJRU5ErkJggg=="/>
+          <p:cNvSpPr>
+            <a:spLocks noChangeAspect="1" noChangeArrowheads="1"/>
+          </p:cNvSpPr>
+          <p:nvPr/>
+        </p:nvSpPr>
+        <p:spPr bwMode="auto">
+          <a:xfrm>
+            <a:off x="155574" y="-144463"/>
+            <a:ext cx="1673225" cy="1673230"/>
+          </a:xfrm>
+          <a:prstGeom prst="rect">
+            <a:avLst/>
+          </a:prstGeom>
+          <a:noFill/>
+          <a:extLst>
+            <a:ext uri="{909E8E84-426E-40DD-AFC4-6F175D3DCCD1}">
+              <a14:hiddenFill xmlns:a14="http://schemas.microsoft.com/office/drawing/2010/main">
+                <a:solidFill>
+                  <a:srgbClr val="FFFFFF"/>
+                </a:solidFill>
+              </a14:hiddenFill>
+            </a:ext>
+          </a:extLst>
+        </p:spPr>
+        <p:txBody>
+          <a:bodyPr vert="horz" wrap="square" lIns="91440" tIns="45720" rIns="91440" bIns="45720" numCol="1" anchor="t" anchorCtr="0" compatLnSpc="1">
+            <a:prstTxWarp prst="textNoShape">
+              <a:avLst/>
+            </a:prstTxWarp>
+          </a:bodyPr>
+          <a:lstStyle/>
+          <a:p>
+            <a:endParaRPr lang="en-US"/>
+          </a:p>
+        </p:txBody>
+      </p:sp>
+      <p:pic>
+        <p:nvPicPr>
+          <p:cNvPr id="3" name="Picture 2"/>
+          <p:cNvPicPr>
+            <a:picLocks noChangeAspect="1"/>
+          </p:cNvPicPr>
+          <p:nvPr/>
+        </p:nvPicPr>
+        <p:blipFill>
+          <a:blip r:embed="rId2">
+            <a:extLst>
+              <a:ext uri="{28A0092B-C50C-407E-A947-70E740481C1C}">
+                <a14:useLocalDpi xmlns:a14="http://schemas.microsoft.com/office/drawing/2010/main" val="0"/>
+              </a:ext>
+            </a:extLst>
+          </a:blip>
+          <a:stretch>
+            <a:fillRect/>
+          </a:stretch>
+        </p:blipFill>
+        <p:spPr>
+          <a:xfrm>
+            <a:off x="3505200" y="4929554"/>
+            <a:ext cx="1905000" cy="1905000"/>
+          </a:xfrm>
+          <a:prstGeom prst="rect">
+            <a:avLst/>
+          </a:prstGeom>
+        </p:spPr>
+      </p:pic>
+    </p:spTree>
+    <p:extLst>
+      <p:ext uri="{BB962C8B-B14F-4D97-AF65-F5344CB8AC3E}">
+        <p14:creationId xmlns:p14="http://schemas.microsoft.com/office/powerpoint/2010/main" val="1928680245"/>
+      </p:ext>
+    </p:extLst>
+  </p:cSld>
+  <p:clrMapOvr>
+    <a:masterClrMapping/>
+  </p:clrMapOvr>
+</p:sld>
+</file>
+
 <file path=ppt/slides/slide3.xml><?xml version="1.0" encoding="utf-8"?>
 <p:sld xmlns:a="http://schemas.openxmlformats.org/drawingml/2006/main" xmlns:r="http://schemas.openxmlformats.org/officeDocument/2006/relationships" xmlns:p="http://schemas.openxmlformats.org/presentationml/2006/main">
   <p:cSld>
@@ -12023,11 +12175,7 @@
           <a:p>
             <a:r>
               <a:rPr lang="en-US" dirty="0" smtClean="0"/>
-              <a:t>Base Data </a:t>
-            </a:r>
-            <a:r>
-              <a:rPr lang="en-US" dirty="0" smtClean="0"/>
-              <a:t>Schema: SACOG</a:t>
+              <a:t>Base Data Schema: SACOG</a:t>
             </a:r>
             <a:endParaRPr lang="en-US" dirty="0"/>
           </a:p>
@@ -12058,8 +12206,13 @@
           <a:p>
             <a:r>
               <a:rPr lang="en-US" dirty="0" smtClean="0"/>
-              <a:t>There is a single table</a:t>
-            </a:r>
+              <a:t>There is a </a:t>
+            </a:r>
+            <a:r>
+              <a:rPr lang="en-US" dirty="0" smtClean="0"/>
+              <a:t>base land use table, and many supporting tables</a:t>
+            </a:r>
+            <a:endParaRPr lang="en-US" dirty="0" smtClean="0"/>
           </a:p>
           <a:p>
             <a:r>
@@ -12075,7 +12228,15 @@
           <a:p>
             <a:r>
               <a:rPr lang="en-US" dirty="0" smtClean="0"/>
-              <a:t>For convenience the discussion of fields will be divided into groups</a:t>
+              <a:t>For convenience the discussion of fields </a:t>
+            </a:r>
+            <a:r>
+              <a:rPr lang="en-US" dirty="0" smtClean="0"/>
+              <a:t>in the base land use table will </a:t>
+            </a:r>
+            <a:r>
+              <a:rPr lang="en-US" dirty="0" smtClean="0"/>
+              <a:t>be divided into groups</a:t>
             </a:r>
           </a:p>
           <a:p>

--- a/OtherDocs/UF_BaseData.pptx
+++ b/OtherDocs/UF_BaseData.pptx
@@ -5,7 +5,7 @@
     <p:sldMasterId id="2147483648" r:id="rId1"/>
   </p:sldMasterIdLst>
   <p:notesMasterIdLst>
-    <p:notesMasterId r:id="rId30"/>
+    <p:notesMasterId r:id="rId29"/>
   </p:notesMasterIdLst>
   <p:sldIdLst>
     <p:sldId id="256" r:id="rId2"/>
@@ -30,12 +30,11 @@
     <p:sldId id="283" r:id="rId21"/>
     <p:sldId id="276" r:id="rId22"/>
     <p:sldId id="277" r:id="rId23"/>
-    <p:sldId id="275" r:id="rId24"/>
-    <p:sldId id="281" r:id="rId25"/>
-    <p:sldId id="278" r:id="rId26"/>
-    <p:sldId id="280" r:id="rId27"/>
-    <p:sldId id="279" r:id="rId28"/>
-    <p:sldId id="284" r:id="rId29"/>
+    <p:sldId id="281" r:id="rId24"/>
+    <p:sldId id="278" r:id="rId25"/>
+    <p:sldId id="280" r:id="rId26"/>
+    <p:sldId id="279" r:id="rId27"/>
+    <p:sldId id="284" r:id="rId28"/>
   </p:sldIdLst>
   <p:sldSz cx="9144000" cy="6858000" type="screen4x3"/>
   <p:notesSz cx="6858000" cy="9144000"/>
@@ -235,7 +234,7 @@
           <a:p>
             <a:fld id="{691D4EA7-E91D-48D5-AAF6-3E83CDF8F1B7}" type="datetimeFigureOut">
               <a:rPr lang="en-US" smtClean="0"/>
-              <a:t>3/16/2015</a:t>
+              <a:t>3/19/2015</a:t>
             </a:fld>
             <a:endParaRPr lang="en-US"/>
           </a:p>
@@ -1122,6 +1121,44 @@
           <a:bodyPr/>
           <a:lstStyle/>
           <a:p>
+            <a:r>
+              <a:rPr lang="en-US" dirty="0" smtClean="0"/>
+              <a:t>SANDAG’s base condition schema is larger than SACOG’s,</a:t>
+            </a:r>
+            <a:r>
+              <a:rPr lang="en-US" baseline="0" dirty="0" smtClean="0"/>
+              <a:t> They also have some advantages in data availability and consistency.  SANDAG is a single county and they have existing substantial countywide data holdings including more detailed employment than is generally available. </a:t>
+            </a:r>
+          </a:p>
+          <a:p>
+            <a:endParaRPr lang="en-US" baseline="0" dirty="0" smtClean="0"/>
+          </a:p>
+          <a:p>
+            <a:r>
+              <a:rPr lang="en-US" baseline="0" dirty="0" smtClean="0"/>
+              <a:t>Overall, the process is similar to that of SACOG’s. The parcel data serves as the primary spatial unit, and already has Dwelling Units (DU) and land use type associated with it. Employment points from the EDD with detailed employment categories are then spatially joined to the parcels and reclassified. </a:t>
+            </a:r>
+          </a:p>
+          <a:p>
+            <a:endParaRPr lang="en-US" baseline="0" dirty="0" smtClean="0"/>
+          </a:p>
+          <a:p>
+            <a:r>
+              <a:rPr lang="en-US" baseline="0" dirty="0" smtClean="0"/>
+              <a:t>Master Geographic Area (MGRA) data provided control totals for households and population that were then disaggregated using the ACS’s PUMS and Block Group data. </a:t>
+            </a:r>
+          </a:p>
+          <a:p>
+            <a:r>
+              <a:rPr lang="en-US" baseline="0" dirty="0" smtClean="0"/>
+              <a:t>The PUMS data was used to create county wide proportions of the employment categories for disaggregation.</a:t>
+            </a:r>
+          </a:p>
+          <a:p>
+            <a:r>
+              <a:rPr lang="en-US" baseline="0" dirty="0" smtClean="0"/>
+              <a:t>Block group </a:t>
+            </a:r>
             <a:endParaRPr lang="en-US" dirty="0"/>
           </a:p>
         </p:txBody>
@@ -1144,128 +1181,6 @@
             <a:fld id="{7F33C591-06D9-4CB9-9836-82156BE52F70}" type="slidenum">
               <a:rPr lang="en-US" smtClean="0"/>
               <a:t>23</a:t>
-            </a:fld>
-            <a:endParaRPr lang="en-US"/>
-          </a:p>
-        </p:txBody>
-      </p:sp>
-    </p:spTree>
-    <p:extLst>
-      <p:ext uri="{BB962C8B-B14F-4D97-AF65-F5344CB8AC3E}">
-        <p14:creationId xmlns:p14="http://schemas.microsoft.com/office/powerpoint/2010/main" val="108891639"/>
-      </p:ext>
-    </p:extLst>
-  </p:cSld>
-  <p:clrMapOvr>
-    <a:masterClrMapping/>
-  </p:clrMapOvr>
-</p:notes>
-</file>
-
-<file path=ppt/notesSlides/notesSlide5.xml><?xml version="1.0" encoding="utf-8"?>
-<p:notes xmlns:a="http://schemas.openxmlformats.org/drawingml/2006/main" xmlns:r="http://schemas.openxmlformats.org/officeDocument/2006/relationships" xmlns:p="http://schemas.openxmlformats.org/presentationml/2006/main">
-  <p:cSld>
-    <p:spTree>
-      <p:nvGrpSpPr>
-        <p:cNvPr id="1" name=""/>
-        <p:cNvGrpSpPr/>
-        <p:nvPr/>
-      </p:nvGrpSpPr>
-      <p:grpSpPr>
-        <a:xfrm>
-          <a:off x="0" y="0"/>
-          <a:ext cx="0" cy="0"/>
-          <a:chOff x="0" y="0"/>
-          <a:chExt cx="0" cy="0"/>
-        </a:xfrm>
-      </p:grpSpPr>
-      <p:sp>
-        <p:nvSpPr>
-          <p:cNvPr id="2" name="Slide Image Placeholder 1"/>
-          <p:cNvSpPr>
-            <a:spLocks noGrp="1" noRot="1" noChangeAspect="1"/>
-          </p:cNvSpPr>
-          <p:nvPr>
-            <p:ph type="sldImg"/>
-          </p:nvPr>
-        </p:nvSpPr>
-        <p:spPr/>
-      </p:sp>
-      <p:sp>
-        <p:nvSpPr>
-          <p:cNvPr id="3" name="Notes Placeholder 2"/>
-          <p:cNvSpPr>
-            <a:spLocks noGrp="1"/>
-          </p:cNvSpPr>
-          <p:nvPr>
-            <p:ph type="body" idx="1"/>
-          </p:nvPr>
-        </p:nvSpPr>
-        <p:spPr/>
-        <p:txBody>
-          <a:bodyPr/>
-          <a:lstStyle/>
-          <a:p>
-            <a:r>
-              <a:rPr lang="en-US" dirty="0" smtClean="0"/>
-              <a:t>SANDAG’s base condition schema is larger than SACOG’s,</a:t>
-            </a:r>
-            <a:r>
-              <a:rPr lang="en-US" baseline="0" dirty="0" smtClean="0"/>
-              <a:t> They also have some advantages in data availability and consistency.  SANDAG is a single county and they have existing substantial countywide data holdings including more detailed employment than is generally available. </a:t>
-            </a:r>
-          </a:p>
-          <a:p>
-            <a:endParaRPr lang="en-US" baseline="0" dirty="0" smtClean="0"/>
-          </a:p>
-          <a:p>
-            <a:r>
-              <a:rPr lang="en-US" baseline="0" dirty="0" smtClean="0"/>
-              <a:t>Overall, the process is similar to that of SACOG’s. The parcel data serves as the primary spatial unit, and already has Dwelling Units (DU) and land use type associated with it. Employment points from the EDD with detailed employment categories are then spatially joined to the parcels and reclassified. </a:t>
-            </a:r>
-          </a:p>
-          <a:p>
-            <a:endParaRPr lang="en-US" baseline="0" dirty="0" smtClean="0"/>
-          </a:p>
-          <a:p>
-            <a:r>
-              <a:rPr lang="en-US" baseline="0" dirty="0" smtClean="0"/>
-              <a:t>Master Geographic Area (MGRA) data provided control totals for households and population that were then disaggregated using the ACS’s PUMS and Block Group data. </a:t>
-            </a:r>
-          </a:p>
-          <a:p>
-            <a:r>
-              <a:rPr lang="en-US" baseline="0" dirty="0" smtClean="0"/>
-              <a:t>The PUMS data was used to create county wide proportions of the employment categories for disaggregation.</a:t>
-            </a:r>
-          </a:p>
-          <a:p>
-            <a:r>
-              <a:rPr lang="en-US" baseline="0" dirty="0" smtClean="0"/>
-              <a:t>Block group </a:t>
-            </a:r>
-            <a:endParaRPr lang="en-US" dirty="0"/>
-          </a:p>
-        </p:txBody>
-      </p:sp>
-      <p:sp>
-        <p:nvSpPr>
-          <p:cNvPr id="4" name="Slide Number Placeholder 3"/>
-          <p:cNvSpPr>
-            <a:spLocks noGrp="1"/>
-          </p:cNvSpPr>
-          <p:nvPr>
-            <p:ph type="sldNum" sz="quarter" idx="10"/>
-          </p:nvPr>
-        </p:nvSpPr>
-        <p:spPr/>
-        <p:txBody>
-          <a:bodyPr/>
-          <a:lstStyle/>
-          <a:p>
-            <a:fld id="{7F33C591-06D9-4CB9-9836-82156BE52F70}" type="slidenum">
-              <a:rPr lang="en-US" smtClean="0"/>
-              <a:t>24</a:t>
             </a:fld>
             <a:endParaRPr lang="en-US"/>
           </a:p>
@@ -1466,7 +1381,7 @@
             <a:fld id="{1D8BD707-D9CF-40AE-B4C6-C98DA3205C09}" type="datetimeFigureOut">
               <a:rPr lang="en-US" smtClean="0"/>
               <a:pPr/>
-              <a:t>3/16/2015</a:t>
+              <a:t>3/19/2015</a:t>
             </a:fld>
             <a:endParaRPr lang="en-US"/>
           </a:p>
@@ -1633,7 +1548,7 @@
             <a:fld id="{1D8BD707-D9CF-40AE-B4C6-C98DA3205C09}" type="datetimeFigureOut">
               <a:rPr lang="en-US" smtClean="0"/>
               <a:pPr/>
-              <a:t>3/16/2015</a:t>
+              <a:t>3/19/2015</a:t>
             </a:fld>
             <a:endParaRPr lang="en-US"/>
           </a:p>
@@ -1810,7 +1725,7 @@
             <a:fld id="{1D8BD707-D9CF-40AE-B4C6-C98DA3205C09}" type="datetimeFigureOut">
               <a:rPr lang="en-US" smtClean="0"/>
               <a:pPr/>
-              <a:t>3/16/2015</a:t>
+              <a:t>3/19/2015</a:t>
             </a:fld>
             <a:endParaRPr lang="en-US"/>
           </a:p>
@@ -1977,7 +1892,7 @@
             <a:fld id="{1D8BD707-D9CF-40AE-B4C6-C98DA3205C09}" type="datetimeFigureOut">
               <a:rPr lang="en-US" smtClean="0"/>
               <a:pPr/>
-              <a:t>3/16/2015</a:t>
+              <a:t>3/19/2015</a:t>
             </a:fld>
             <a:endParaRPr lang="en-US"/>
           </a:p>
@@ -2220,7 +2135,7 @@
             <a:fld id="{1D8BD707-D9CF-40AE-B4C6-C98DA3205C09}" type="datetimeFigureOut">
               <a:rPr lang="en-US" smtClean="0"/>
               <a:pPr/>
-              <a:t>3/16/2015</a:t>
+              <a:t>3/19/2015</a:t>
             </a:fld>
             <a:endParaRPr lang="en-US"/>
           </a:p>
@@ -2505,7 +2420,7 @@
             <a:fld id="{1D8BD707-D9CF-40AE-B4C6-C98DA3205C09}" type="datetimeFigureOut">
               <a:rPr lang="en-US" smtClean="0"/>
               <a:pPr/>
-              <a:t>3/16/2015</a:t>
+              <a:t>3/19/2015</a:t>
             </a:fld>
             <a:endParaRPr lang="en-US"/>
           </a:p>
@@ -2924,7 +2839,7 @@
             <a:fld id="{1D8BD707-D9CF-40AE-B4C6-C98DA3205C09}" type="datetimeFigureOut">
               <a:rPr lang="en-US" smtClean="0"/>
               <a:pPr/>
-              <a:t>3/16/2015</a:t>
+              <a:t>3/19/2015</a:t>
             </a:fld>
             <a:endParaRPr lang="en-US"/>
           </a:p>
@@ -3039,7 +2954,7 @@
             <a:fld id="{1D8BD707-D9CF-40AE-B4C6-C98DA3205C09}" type="datetimeFigureOut">
               <a:rPr lang="en-US" smtClean="0"/>
               <a:pPr/>
-              <a:t>3/16/2015</a:t>
+              <a:t>3/19/2015</a:t>
             </a:fld>
             <a:endParaRPr lang="en-US"/>
           </a:p>
@@ -3131,7 +3046,7 @@
             <a:fld id="{1D8BD707-D9CF-40AE-B4C6-C98DA3205C09}" type="datetimeFigureOut">
               <a:rPr lang="en-US" smtClean="0"/>
               <a:pPr/>
-              <a:t>3/16/2015</a:t>
+              <a:t>3/19/2015</a:t>
             </a:fld>
             <a:endParaRPr lang="en-US"/>
           </a:p>
@@ -3405,7 +3320,7 @@
             <a:fld id="{1D8BD707-D9CF-40AE-B4C6-C98DA3205C09}" type="datetimeFigureOut">
               <a:rPr lang="en-US" smtClean="0"/>
               <a:pPr/>
-              <a:t>3/16/2015</a:t>
+              <a:t>3/19/2015</a:t>
             </a:fld>
             <a:endParaRPr lang="en-US"/>
           </a:p>
@@ -3655,7 +3570,7 @@
             <a:fld id="{1D8BD707-D9CF-40AE-B4C6-C98DA3205C09}" type="datetimeFigureOut">
               <a:rPr lang="en-US" smtClean="0"/>
               <a:pPr/>
-              <a:t>3/16/2015</a:t>
+              <a:t>3/19/2015</a:t>
             </a:fld>
             <a:endParaRPr lang="en-US"/>
           </a:p>
@@ -3865,7 +3780,7 @@
             <a:fld id="{1D8BD707-D9CF-40AE-B4C6-C98DA3205C09}" type="datetimeFigureOut">
               <a:rPr lang="en-US" smtClean="0"/>
               <a:pPr/>
-              <a:t>3/16/2015</a:t>
+              <a:t>3/19/2015</a:t>
             </a:fld>
             <a:endParaRPr lang="en-US"/>
           </a:p>
@@ -4328,7 +4243,6 @@
               <a:rPr lang="en-US" dirty="0"/>
               <a:t>UrbanFootprint has been developed by and is copyrighted by Calthorpe Analytics</a:t>
             </a:r>
-            <a:endParaRPr lang="en-US" dirty="0"/>
           </a:p>
         </p:txBody>
       </p:sp>
@@ -11385,7 +11299,7 @@
             <a:spLocks noGrp="1"/>
           </p:cNvSpPr>
           <p:nvPr>
-            <p:ph idx="1"/>
+            <p:ph sz="half" idx="1"/>
           </p:nvPr>
         </p:nvSpPr>
         <p:spPr/>
@@ -11395,9 +11309,122 @@
           <a:p>
             <a:r>
               <a:rPr lang="en-US" dirty="0" smtClean="0"/>
-              <a:t>Needs information</a:t>
-            </a:r>
+              <a:t>Assessor’s Data</a:t>
+            </a:r>
+          </a:p>
+          <a:p>
+            <a:r>
+              <a:rPr lang="en-US" dirty="0" smtClean="0"/>
+              <a:t>Assumed FAR</a:t>
+            </a:r>
+          </a:p>
+          <a:p>
+            <a:r>
+              <a:rPr lang="en-US" dirty="0" smtClean="0"/>
+              <a:t>Commercial Data Sources</a:t>
+            </a:r>
+          </a:p>
+          <a:p>
             <a:endParaRPr lang="en-US" dirty="0"/>
+          </a:p>
+        </p:txBody>
+      </p:sp>
+      <p:sp>
+        <p:nvSpPr>
+          <p:cNvPr id="4" name="Content Placeholder 3"/>
+          <p:cNvSpPr>
+            <a:spLocks noGrp="1"/>
+          </p:cNvSpPr>
+          <p:nvPr>
+            <p:ph sz="half" idx="2"/>
+          </p:nvPr>
+        </p:nvSpPr>
+        <p:spPr/>
+        <p:txBody>
+          <a:bodyPr/>
+          <a:lstStyle/>
+          <a:p>
+            <a:endParaRPr lang="en-US" dirty="0"/>
+          </a:p>
+        </p:txBody>
+      </p:sp>
+      <p:sp>
+        <p:nvSpPr>
+          <p:cNvPr id="5" name="Rectangle 4"/>
+          <p:cNvSpPr/>
+          <p:nvPr/>
+        </p:nvSpPr>
+        <p:spPr>
+          <a:xfrm>
+            <a:off x="5334000" y="2209800"/>
+            <a:ext cx="3048000" cy="3505200"/>
+          </a:xfrm>
+          <a:prstGeom prst="rect">
+            <a:avLst/>
+          </a:prstGeom>
+        </p:spPr>
+        <p:style>
+          <a:lnRef idx="2">
+            <a:schemeClr val="accent1">
+              <a:shade val="50000"/>
+            </a:schemeClr>
+          </a:lnRef>
+          <a:fillRef idx="1">
+            <a:schemeClr val="accent1"/>
+          </a:fillRef>
+          <a:effectRef idx="0">
+            <a:schemeClr val="accent1"/>
+          </a:effectRef>
+          <a:fontRef idx="minor">
+            <a:schemeClr val="lt1"/>
+          </a:fontRef>
+        </p:style>
+        <p:txBody>
+          <a:bodyPr rtlCol="0" anchor="ctr"/>
+          <a:lstStyle/>
+          <a:p>
+            <a:pPr algn="ctr"/>
+            <a:endParaRPr lang="en-US"/>
+          </a:p>
+        </p:txBody>
+      </p:sp>
+      <p:sp>
+        <p:nvSpPr>
+          <p:cNvPr id="6" name="Rectangle 5"/>
+          <p:cNvSpPr/>
+          <p:nvPr/>
+        </p:nvSpPr>
+        <p:spPr>
+          <a:xfrm>
+            <a:off x="6172200" y="2895600"/>
+            <a:ext cx="2057400" cy="2667000"/>
+          </a:xfrm>
+          <a:prstGeom prst="rect">
+            <a:avLst/>
+          </a:prstGeom>
+        </p:spPr>
+        <p:style>
+          <a:lnRef idx="2">
+            <a:schemeClr val="accent6">
+              <a:shade val="50000"/>
+            </a:schemeClr>
+          </a:lnRef>
+          <a:fillRef idx="1">
+            <a:schemeClr val="accent6"/>
+          </a:fillRef>
+          <a:effectRef idx="0">
+            <a:schemeClr val="accent6"/>
+          </a:effectRef>
+          <a:fontRef idx="minor">
+            <a:schemeClr val="lt1"/>
+          </a:fontRef>
+        </p:style>
+        <p:txBody>
+          <a:bodyPr rtlCol="0" anchor="ctr"/>
+          <a:lstStyle/>
+          <a:p>
+            <a:pPr algn="ctr"/>
+            <a:endParaRPr lang="en-US"/>
           </a:p>
         </p:txBody>
       </p:sp>
@@ -11461,7 +11488,7 @@
             <a:spLocks noGrp="1"/>
           </p:cNvSpPr>
           <p:nvPr>
-            <p:ph idx="1"/>
+            <p:ph sz="half" idx="1"/>
           </p:nvPr>
         </p:nvSpPr>
         <p:spPr/>
@@ -11471,9 +11498,156 @@
           <a:p>
             <a:r>
               <a:rPr lang="en-US" dirty="0" smtClean="0"/>
-              <a:t>Needs information</a:t>
-            </a:r>
+              <a:t>Averages by Place Type</a:t>
+            </a:r>
+          </a:p>
+          <a:p>
+            <a:r>
+              <a:rPr lang="en-US" dirty="0" smtClean="0"/>
+              <a:t>Estimates from other data sources (Remote sensing)</a:t>
+            </a:r>
+          </a:p>
+          <a:p>
             <a:endParaRPr lang="en-US" dirty="0"/>
+          </a:p>
+        </p:txBody>
+      </p:sp>
+      <p:sp>
+        <p:nvSpPr>
+          <p:cNvPr id="4" name="Content Placeholder 3"/>
+          <p:cNvSpPr>
+            <a:spLocks noGrp="1"/>
+          </p:cNvSpPr>
+          <p:nvPr>
+            <p:ph sz="half" idx="2"/>
+          </p:nvPr>
+        </p:nvSpPr>
+        <p:spPr/>
+        <p:txBody>
+          <a:bodyPr/>
+          <a:lstStyle/>
+          <a:p>
+            <a:endParaRPr lang="en-US"/>
+          </a:p>
+        </p:txBody>
+      </p:sp>
+      <p:sp>
+        <p:nvSpPr>
+          <p:cNvPr id="5" name="Rectangle 4"/>
+          <p:cNvSpPr/>
+          <p:nvPr/>
+        </p:nvSpPr>
+        <p:spPr>
+          <a:xfrm>
+            <a:off x="5257800" y="2209800"/>
+            <a:ext cx="3124200" cy="3733800"/>
+          </a:xfrm>
+          <a:prstGeom prst="rect">
+            <a:avLst/>
+          </a:prstGeom>
+        </p:spPr>
+        <p:style>
+          <a:lnRef idx="2">
+            <a:schemeClr val="accent3">
+              <a:shade val="50000"/>
+            </a:schemeClr>
+          </a:lnRef>
+          <a:fillRef idx="1">
+            <a:schemeClr val="accent3"/>
+          </a:fillRef>
+          <a:effectRef idx="0">
+            <a:schemeClr val="accent3"/>
+          </a:effectRef>
+          <a:fontRef idx="minor">
+            <a:schemeClr val="lt1"/>
+          </a:fontRef>
+        </p:style>
+        <p:txBody>
+          <a:bodyPr rtlCol="0" anchor="ctr"/>
+          <a:lstStyle/>
+          <a:p>
+            <a:pPr algn="ctr"/>
+            <a:endParaRPr lang="en-US"/>
+          </a:p>
+        </p:txBody>
+      </p:sp>
+      <p:sp>
+        <p:nvSpPr>
+          <p:cNvPr id="6" name="Rectangle 5"/>
+          <p:cNvSpPr/>
+          <p:nvPr/>
+        </p:nvSpPr>
+        <p:spPr>
+          <a:xfrm>
+            <a:off x="5638800" y="2667000"/>
+            <a:ext cx="2438400" cy="1676400"/>
+          </a:xfrm>
+          <a:prstGeom prst="rect">
+            <a:avLst/>
+          </a:prstGeom>
+        </p:spPr>
+        <p:style>
+          <a:lnRef idx="2">
+            <a:schemeClr val="accent6">
+              <a:shade val="50000"/>
+            </a:schemeClr>
+          </a:lnRef>
+          <a:fillRef idx="1">
+            <a:schemeClr val="accent6"/>
+          </a:fillRef>
+          <a:effectRef idx="0">
+            <a:schemeClr val="accent6"/>
+          </a:effectRef>
+          <a:fontRef idx="minor">
+            <a:schemeClr val="lt1"/>
+          </a:fontRef>
+        </p:style>
+        <p:txBody>
+          <a:bodyPr rtlCol="0" anchor="ctr"/>
+          <a:lstStyle/>
+          <a:p>
+            <a:pPr algn="ctr"/>
+            <a:endParaRPr lang="en-US"/>
+          </a:p>
+        </p:txBody>
+      </p:sp>
+      <p:sp>
+        <p:nvSpPr>
+          <p:cNvPr id="7" name="Rectangle 6"/>
+          <p:cNvSpPr/>
+          <p:nvPr/>
+        </p:nvSpPr>
+        <p:spPr>
+          <a:xfrm>
+            <a:off x="5638800" y="4648200"/>
+            <a:ext cx="2438400" cy="1295400"/>
+          </a:xfrm>
+          <a:prstGeom prst="rect">
+            <a:avLst/>
+          </a:prstGeom>
+        </p:spPr>
+        <p:style>
+          <a:lnRef idx="2">
+            <a:schemeClr val="dk1">
+              <a:shade val="50000"/>
+            </a:schemeClr>
+          </a:lnRef>
+          <a:fillRef idx="1">
+            <a:schemeClr val="dk1"/>
+          </a:fillRef>
+          <a:effectRef idx="0">
+            <a:schemeClr val="dk1"/>
+          </a:effectRef>
+          <a:fontRef idx="minor">
+            <a:schemeClr val="lt1"/>
+          </a:fontRef>
+        </p:style>
+        <p:txBody>
+          <a:bodyPr rtlCol="0" anchor="ctr"/>
+          <a:lstStyle/>
+          <a:p>
+            <a:pPr algn="ctr"/>
+            <a:endParaRPr lang="en-US"/>
           </a:p>
         </p:txBody>
       </p:sp>
@@ -11519,12 +11693,14 @@
         </p:nvSpPr>
         <p:spPr/>
         <p:txBody>
-          <a:bodyPr/>
+          <a:bodyPr>
+            <a:normAutofit/>
+          </a:bodyPr>
           <a:lstStyle/>
           <a:p>
             <a:r>
-              <a:rPr lang="en-US" dirty="0" err="1" smtClean="0"/>
-              <a:t>Developablity</a:t>
+              <a:rPr lang="en-US" dirty="0" smtClean="0"/>
+              <a:t>Alternate Method: SANDAG</a:t>
             </a:r>
             <a:endParaRPr lang="en-US" dirty="0"/>
           </a:p>
@@ -11542,12 +11718,69 @@
         </p:nvSpPr>
         <p:spPr/>
         <p:txBody>
-          <a:bodyPr/>
+          <a:bodyPr>
+            <a:normAutofit fontScale="92500" lnSpcReduction="20000"/>
+          </a:bodyPr>
           <a:lstStyle/>
           <a:p>
             <a:r>
               <a:rPr lang="en-US" dirty="0" smtClean="0"/>
-              <a:t>Needs information</a:t>
+              <a:t>Base Schema</a:t>
+            </a:r>
+          </a:p>
+          <a:p>
+            <a:pPr lvl="1"/>
+            <a:r>
+              <a:rPr lang="en-US" dirty="0" smtClean="0"/>
+              <a:t>Expanded compared to SACOG</a:t>
+            </a:r>
+          </a:p>
+          <a:p>
+            <a:pPr lvl="1"/>
+            <a:r>
+              <a:rPr lang="en-US" dirty="0" smtClean="0"/>
+              <a:t>Includes HH income</a:t>
+            </a:r>
+          </a:p>
+          <a:p>
+            <a:pPr lvl="1"/>
+            <a:r>
+              <a:rPr lang="en-US" dirty="0" smtClean="0"/>
+              <a:t>Population Educational Attainment</a:t>
+            </a:r>
+          </a:p>
+          <a:p>
+            <a:r>
+              <a:rPr lang="en-US" dirty="0" smtClean="0"/>
+              <a:t>Data Sources</a:t>
+            </a:r>
+          </a:p>
+          <a:p>
+            <a:pPr lvl="1"/>
+            <a:r>
+              <a:rPr lang="en-US" dirty="0" smtClean="0"/>
+              <a:t>2012 parcels, have DU and land use</a:t>
+            </a:r>
+          </a:p>
+          <a:p>
+            <a:pPr lvl="1"/>
+            <a:r>
+              <a:rPr lang="en-US" dirty="0" smtClean="0"/>
+              <a:t>2012 EDD employment points with 2-4 digit NAICS codes</a:t>
+            </a:r>
+          </a:p>
+          <a:p>
+            <a:pPr lvl="1"/>
+            <a:r>
+              <a:rPr lang="en-US" dirty="0" smtClean="0"/>
+              <a:t>MGRA with Pop (by gender and age), and Households by income category</a:t>
+            </a:r>
+          </a:p>
+          <a:p>
+            <a:pPr lvl="1"/>
+            <a:r>
+              <a:rPr lang="en-US" dirty="0" smtClean="0"/>
+              <a:t>ACS Data (5 year block group and 1 year PUMS)</a:t>
             </a:r>
             <a:endParaRPr lang="en-US" dirty="0"/>
           </a:p>
@@ -11556,7 +11789,7 @@
     </p:spTree>
     <p:extLst>
       <p:ext uri="{BB962C8B-B14F-4D97-AF65-F5344CB8AC3E}">
-        <p14:creationId xmlns:p14="http://schemas.microsoft.com/office/powerpoint/2010/main" val="3871548943"/>
+        <p14:creationId xmlns:p14="http://schemas.microsoft.com/office/powerpoint/2010/main" val="463761366"/>
       </p:ext>
     </p:extLst>
   </p:cSld>
@@ -11596,13 +11829,13 @@
         <p:spPr/>
         <p:txBody>
           <a:bodyPr>
-            <a:normAutofit/>
+            <a:normAutofit fontScale="90000"/>
           </a:bodyPr>
           <a:lstStyle/>
           <a:p>
             <a:r>
               <a:rPr lang="en-US" dirty="0" smtClean="0"/>
-              <a:t>Alternate Method: SANDAG</a:t>
+              <a:t>Loading Base Data into UrbanFootprint</a:t>
             </a:r>
             <a:endParaRPr lang="en-US" dirty="0"/>
           </a:p>
@@ -11620,69 +11853,35 @@
         </p:nvSpPr>
         <p:spPr/>
         <p:txBody>
-          <a:bodyPr>
-            <a:normAutofit fontScale="92500" lnSpcReduction="20000"/>
-          </a:bodyPr>
+          <a:bodyPr/>
           <a:lstStyle/>
           <a:p>
             <a:r>
               <a:rPr lang="en-US" dirty="0" smtClean="0"/>
-              <a:t>Base Schema</a:t>
-            </a:r>
-          </a:p>
-          <a:p>
-            <a:pPr lvl="1"/>
+              <a:t>Upload via ftp</a:t>
+            </a:r>
+          </a:p>
+          <a:p>
             <a:r>
               <a:rPr lang="en-US" dirty="0" smtClean="0"/>
-              <a:t>Expanded compared to SACOG</a:t>
-            </a:r>
-          </a:p>
-          <a:p>
-            <a:pPr lvl="1"/>
+              <a:t>Create new geographic area in </a:t>
+            </a:r>
+            <a:r>
+              <a:rPr lang="en-US" dirty="0" err="1" smtClean="0"/>
+              <a:t>Django</a:t>
+            </a:r>
+            <a:endParaRPr lang="en-US" dirty="0" smtClean="0"/>
+          </a:p>
+          <a:p>
             <a:r>
               <a:rPr lang="en-US" dirty="0" smtClean="0"/>
-              <a:t>Includes HH income</a:t>
-            </a:r>
-          </a:p>
-          <a:p>
-            <a:pPr lvl="1"/>
+              <a:t>Create new schema in database</a:t>
+            </a:r>
+          </a:p>
+          <a:p>
             <a:r>
               <a:rPr lang="en-US" dirty="0" smtClean="0"/>
-              <a:t>Population Educational Attainment</a:t>
-            </a:r>
-          </a:p>
-          <a:p>
-            <a:r>
-              <a:rPr lang="en-US" dirty="0" smtClean="0"/>
-              <a:t>Data Sources</a:t>
-            </a:r>
-          </a:p>
-          <a:p>
-            <a:pPr lvl="1"/>
-            <a:r>
-              <a:rPr lang="en-US" dirty="0" smtClean="0"/>
-              <a:t>2012 parcels, have DU and land use</a:t>
-            </a:r>
-          </a:p>
-          <a:p>
-            <a:pPr lvl="1"/>
-            <a:r>
-              <a:rPr lang="en-US" dirty="0" smtClean="0"/>
-              <a:t>2012 EDD employment points with 2-4 digit NAICS codes</a:t>
-            </a:r>
-          </a:p>
-          <a:p>
-            <a:pPr lvl="1"/>
-            <a:r>
-              <a:rPr lang="en-US" dirty="0" smtClean="0"/>
-              <a:t>MGRA with Pop (by gender and age), and Households by income category</a:t>
-            </a:r>
-          </a:p>
-          <a:p>
-            <a:pPr lvl="1"/>
-            <a:r>
-              <a:rPr lang="en-US" dirty="0" smtClean="0"/>
-              <a:t>ACS Data (5 year block group and 1 year PUMS)</a:t>
+              <a:t>Load data to schema</a:t>
             </a:r>
             <a:endParaRPr lang="en-US" dirty="0"/>
           </a:p>
@@ -11691,7 +11890,7 @@
     </p:spTree>
     <p:extLst>
       <p:ext uri="{BB962C8B-B14F-4D97-AF65-F5344CB8AC3E}">
-        <p14:creationId xmlns:p14="http://schemas.microsoft.com/office/powerpoint/2010/main" val="463761366"/>
+        <p14:creationId xmlns:p14="http://schemas.microsoft.com/office/powerpoint/2010/main" val="3924640635"/>
       </p:ext>
     </p:extLst>
   </p:cSld>
@@ -11730,14 +11929,12 @@
         </p:nvSpPr>
         <p:spPr/>
         <p:txBody>
-          <a:bodyPr>
-            <a:normAutofit fontScale="90000"/>
-          </a:bodyPr>
+          <a:bodyPr/>
           <a:lstStyle/>
           <a:p>
             <a:r>
               <a:rPr lang="en-US" dirty="0" smtClean="0"/>
-              <a:t>Loading Base Data into UrbanFootprint</a:t>
+              <a:t>Keep the Goal in Mind</a:t>
             </a:r>
             <a:endParaRPr lang="en-US" dirty="0"/>
           </a:p>
@@ -11760,30 +11957,13 @@
           <a:p>
             <a:r>
               <a:rPr lang="en-US" dirty="0" smtClean="0"/>
-              <a:t>Upload via ftp</a:t>
+              <a:t>Data for your region will be unique</a:t>
             </a:r>
           </a:p>
           <a:p>
             <a:r>
               <a:rPr lang="en-US" dirty="0" smtClean="0"/>
-              <a:t>Create new geographic area in </a:t>
-            </a:r>
-            <a:r>
-              <a:rPr lang="en-US" dirty="0" err="1" smtClean="0"/>
-              <a:t>Django</a:t>
-            </a:r>
-            <a:endParaRPr lang="en-US" dirty="0" smtClean="0"/>
-          </a:p>
-          <a:p>
-            <a:r>
-              <a:rPr lang="en-US" dirty="0" smtClean="0"/>
-              <a:t>Create new schema in database</a:t>
-            </a:r>
-          </a:p>
-          <a:p>
-            <a:r>
-              <a:rPr lang="en-US" dirty="0" smtClean="0"/>
-              <a:t>Load data to schema</a:t>
+              <a:t>This process should serve as a starting point for developing your data, not a fixed recipe.</a:t>
             </a:r>
             <a:endParaRPr lang="en-US" dirty="0"/>
           </a:p>
@@ -11792,7 +11972,7 @@
     </p:spTree>
     <p:extLst>
       <p:ext uri="{BB962C8B-B14F-4D97-AF65-F5344CB8AC3E}">
-        <p14:creationId xmlns:p14="http://schemas.microsoft.com/office/powerpoint/2010/main" val="3924640635"/>
+        <p14:creationId xmlns:p14="http://schemas.microsoft.com/office/powerpoint/2010/main" val="2199288052"/>
       </p:ext>
     </p:extLst>
   </p:cSld>
@@ -11836,7 +12016,7 @@
           <a:p>
             <a:r>
               <a:rPr lang="en-US" dirty="0" smtClean="0"/>
-              <a:t>Keep the Goal in Mind</a:t>
+              <a:t>Exercise</a:t>
             </a:r>
             <a:endParaRPr lang="en-US" dirty="0"/>
           </a:p>
@@ -11859,88 +12039,6 @@
           <a:p>
             <a:r>
               <a:rPr lang="en-US" dirty="0" smtClean="0"/>
-              <a:t>Data for your region will be unique</a:t>
-            </a:r>
-          </a:p>
-          <a:p>
-            <a:r>
-              <a:rPr lang="en-US" dirty="0" smtClean="0"/>
-              <a:t>This process should serve as a starting point for developing your data, not a fixed recipe.</a:t>
-            </a:r>
-            <a:endParaRPr lang="en-US" dirty="0"/>
-          </a:p>
-        </p:txBody>
-      </p:sp>
-    </p:spTree>
-    <p:extLst>
-      <p:ext uri="{BB962C8B-B14F-4D97-AF65-F5344CB8AC3E}">
-        <p14:creationId xmlns:p14="http://schemas.microsoft.com/office/powerpoint/2010/main" val="2199288052"/>
-      </p:ext>
-    </p:extLst>
-  </p:cSld>
-  <p:clrMapOvr>
-    <a:masterClrMapping/>
-  </p:clrMapOvr>
-</p:sld>
-</file>
-
-<file path=ppt/slides/slide27.xml><?xml version="1.0" encoding="utf-8"?>
-<p:sld xmlns:a="http://schemas.openxmlformats.org/drawingml/2006/main" xmlns:r="http://schemas.openxmlformats.org/officeDocument/2006/relationships" xmlns:p="http://schemas.openxmlformats.org/presentationml/2006/main">
-  <p:cSld>
-    <p:spTree>
-      <p:nvGrpSpPr>
-        <p:cNvPr id="1" name=""/>
-        <p:cNvGrpSpPr/>
-        <p:nvPr/>
-      </p:nvGrpSpPr>
-      <p:grpSpPr>
-        <a:xfrm>
-          <a:off x="0" y="0"/>
-          <a:ext cx="0" cy="0"/>
-          <a:chOff x="0" y="0"/>
-          <a:chExt cx="0" cy="0"/>
-        </a:xfrm>
-      </p:grpSpPr>
-      <p:sp>
-        <p:nvSpPr>
-          <p:cNvPr id="2" name="Title 1"/>
-          <p:cNvSpPr>
-            <a:spLocks noGrp="1"/>
-          </p:cNvSpPr>
-          <p:nvPr>
-            <p:ph type="title"/>
-          </p:nvPr>
-        </p:nvSpPr>
-        <p:spPr/>
-        <p:txBody>
-          <a:bodyPr/>
-          <a:lstStyle/>
-          <a:p>
-            <a:r>
-              <a:rPr lang="en-US" dirty="0" smtClean="0"/>
-              <a:t>Exercise</a:t>
-            </a:r>
-            <a:endParaRPr lang="en-US" dirty="0"/>
-          </a:p>
-        </p:txBody>
-      </p:sp>
-      <p:sp>
-        <p:nvSpPr>
-          <p:cNvPr id="3" name="Content Placeholder 2"/>
-          <p:cNvSpPr>
-            <a:spLocks noGrp="1"/>
-          </p:cNvSpPr>
-          <p:nvPr>
-            <p:ph idx="1"/>
-          </p:nvPr>
-        </p:nvSpPr>
-        <p:spPr/>
-        <p:txBody>
-          <a:bodyPr/>
-          <a:lstStyle/>
-          <a:p>
-            <a:r>
-              <a:rPr lang="en-US" dirty="0" smtClean="0"/>
               <a:t>Download XXXX</a:t>
             </a:r>
           </a:p>
@@ -11992,7 +12090,7 @@
 </p:sld>
 </file>
 
-<file path=ppt/slides/slide28.xml><?xml version="1.0" encoding="utf-8"?>
+<file path=ppt/slides/slide27.xml><?xml version="1.0" encoding="utf-8"?>
 <p:sld xmlns:a="http://schemas.openxmlformats.org/drawingml/2006/main" xmlns:r="http://schemas.openxmlformats.org/officeDocument/2006/relationships" xmlns:p="http://schemas.openxmlformats.org/presentationml/2006/main">
   <p:cSld>
     <p:spTree>
@@ -12206,13 +12304,8 @@
           <a:p>
             <a:r>
               <a:rPr lang="en-US" dirty="0" smtClean="0"/>
-              <a:t>There is a </a:t>
-            </a:r>
-            <a:r>
-              <a:rPr lang="en-US" dirty="0" smtClean="0"/>
-              <a:t>base land use table, and many supporting tables</a:t>
-            </a:r>
-            <a:endParaRPr lang="en-US" dirty="0" smtClean="0"/>
+              <a:t>There is a base land use table, and many supporting tables</a:t>
+            </a:r>
           </a:p>
           <a:p>
             <a:r>
@@ -12228,15 +12321,7 @@
           <a:p>
             <a:r>
               <a:rPr lang="en-US" dirty="0" smtClean="0"/>
-              <a:t>For convenience the discussion of fields </a:t>
-            </a:r>
-            <a:r>
-              <a:rPr lang="en-US" dirty="0" smtClean="0"/>
-              <a:t>in the base land use table will </a:t>
-            </a:r>
-            <a:r>
-              <a:rPr lang="en-US" dirty="0" smtClean="0"/>
-              <a:t>be divided into groups</a:t>
+              <a:t>For convenience the discussion of fields in the base land use table will be divided into groups</a:t>
             </a:r>
           </a:p>
           <a:p>

--- a/OtherDocs/UF_BaseData.pptx
+++ b/OtherDocs/UF_BaseData.pptx
@@ -11858,32 +11858,45 @@
           <a:p>
             <a:r>
               <a:rPr lang="en-US" dirty="0" smtClean="0"/>
-              <a:t>Upload via ftp</a:t>
-            </a:r>
-          </a:p>
-          <a:p>
+              <a:t>Load into a staging database (</a:t>
+            </a:r>
+            <a:r>
+              <a:rPr lang="en-US" dirty="0" err="1" smtClean="0"/>
+              <a:t>PostGIS</a:t>
+            </a:r>
             <a:r>
               <a:rPr lang="en-US" dirty="0" smtClean="0"/>
-              <a:t>Create new geographic area in </a:t>
+              <a:t>)</a:t>
+            </a:r>
+          </a:p>
+          <a:p>
+            <a:r>
+              <a:rPr lang="en-US" dirty="0" smtClean="0"/>
+              <a:t>Upload </a:t>
+            </a:r>
+            <a:r>
+              <a:rPr lang="en-US" dirty="0" smtClean="0"/>
+              <a:t>via </a:t>
+            </a:r>
+            <a:r>
+              <a:rPr lang="en-US" dirty="0" smtClean="0"/>
+              <a:t>ftp (see installation instructions)</a:t>
+            </a:r>
+          </a:p>
+          <a:p>
+            <a:r>
+              <a:rPr lang="en-US" dirty="0" smtClean="0"/>
+              <a:t>Build into </a:t>
             </a:r>
             <a:r>
               <a:rPr lang="en-US" dirty="0" err="1" smtClean="0"/>
-              <a:t>Django</a:t>
+              <a:t>UrbanFootprint</a:t>
+            </a:r>
+            <a:r>
+              <a:rPr lang="en-US" dirty="0" smtClean="0"/>
+              <a:t> (see installation instructions)</a:t>
             </a:r>
             <a:endParaRPr lang="en-US" dirty="0" smtClean="0"/>
-          </a:p>
-          <a:p>
-            <a:r>
-              <a:rPr lang="en-US" dirty="0" smtClean="0"/>
-              <a:t>Create new schema in database</a:t>
-            </a:r>
-          </a:p>
-          <a:p>
-            <a:r>
-              <a:rPr lang="en-US" dirty="0" smtClean="0"/>
-              <a:t>Load data to schema</a:t>
-            </a:r>
-            <a:endParaRPr lang="en-US" dirty="0"/>
           </a:p>
         </p:txBody>
       </p:sp>
